--- a/Caso/presentacion_caso.pptx
+++ b/Caso/presentacion_caso.pptx
@@ -4319,6 +4319,21 @@
             </a:r>
           </a:p>
           <a:p>
+            <a:pPr>
+              <a:lnSpc>
+                <a:spcPct val="150000"/>
+              </a:lnSpc>
+            </a:pPr>
+            <a:r>
+              <a:rPr lang="en-US" dirty="0" err="1" smtClean="0"/>
+              <a:t>Turnos</a:t>
+            </a:r>
+            <a:r>
+              <a:rPr lang="en-US" dirty="0" smtClean="0"/>
+              <a:t>.</a:t>
+            </a:r>
+          </a:p>
+          <a:p>
             <a:pPr lvl="2">
               <a:lnSpc>
                 <a:spcPct val="150000"/>
